--- a/documents/TRADESYNC-V1.pptx
+++ b/documents/TRADESYNC-V1.pptx
@@ -12415,7 +12415,7 @@
         <p:spPr>
           <a:xfrm>
             <a:off x="6639792" y="1776886"/>
-            <a:ext cx="10817891" cy="8273034"/>
+            <a:ext cx="10817891" cy="9048631"/>
           </a:xfrm>
           <a:prstGeom prst="rect">
             <a:avLst/>
@@ -12455,7 +12455,33 @@
                 <a:cs typeface="Open Sans Extrabold"/>
                 <a:sym typeface="Open Sans ExtraBold"/>
               </a:rPr>
-              <a:t>XRPL GRANT APPLICATION</a:t>
+              <a:t>TRADESYNC</a:t>
+            </a:r>
+          </a:p>
+          <a:p>
+            <a:pPr marL="0" marR="0" lvl="0" indent="0" algn="r" rtl="0">
+              <a:lnSpc>
+                <a:spcPct val="139988"/>
+              </a:lnSpc>
+              <a:spcBef>
+                <a:spcPts val="0"/>
+              </a:spcBef>
+              <a:spcAft>
+                <a:spcPts val="0"/>
+              </a:spcAft>
+              <a:buNone/>
+            </a:pPr>
+            <a:r>
+              <a:rPr lang="en-US" sz="3600" b="1" dirty="0">
+                <a:solidFill>
+                  <a:srgbClr val="FFFFFF"/>
+                </a:solidFill>
+                <a:latin typeface="+mn-lt"/>
+                <a:ea typeface="Open Sans Extrabold"/>
+                <a:cs typeface="Open Sans Extrabold"/>
+                <a:sym typeface="Open Sans ExtraBold"/>
+              </a:rPr>
+              <a:t>PROFILES</a:t>
             </a:r>
           </a:p>
           <a:p>
@@ -12504,7 +12530,7 @@
                 <a:cs typeface="Open Sans Extrabold"/>
                 <a:sym typeface="Open Sans ExtraBold"/>
               </a:rPr>
-              <a:t>SATHYANARAYANAN KRISHNASAMY (Primary)</a:t>
+              <a:t>SATHYANARAYANAN KRISHNASAMY </a:t>
             </a:r>
           </a:p>
           <a:p>
@@ -12572,7 +12598,7 @@
                 <a:cs typeface="Open Sans Extrabold"/>
                 <a:sym typeface="Open Sans ExtraBold"/>
               </a:rPr>
-              <a:t>Dr BADRINARAYANAN GOPALAKRISHNAN(collaborator)</a:t>
+              <a:t>Dr BADRINARAYANAN GOPALAKRISHNAN</a:t>
             </a:r>
           </a:p>
           <a:p>
